--- a/к защите/Саша/На защиту.pptx
+++ b/к защите/Саша/На защиту.pptx
@@ -5,7 +5,7 @@
     <p:sldMasterId id="2147483660" r:id="rId1"/>
   </p:sldMasterIdLst>
   <p:notesMasterIdLst>
-    <p:notesMasterId r:id="rId21"/>
+    <p:notesMasterId r:id="rId22"/>
   </p:notesMasterIdLst>
   <p:sldIdLst>
     <p:sldId id="256" r:id="rId2"/>
@@ -27,6 +27,7 @@
     <p:sldId id="278" r:id="rId18"/>
     <p:sldId id="259" r:id="rId19"/>
     <p:sldId id="268" r:id="rId20"/>
+    <p:sldId id="279" r:id="rId21"/>
   </p:sldIdLst>
   <p:sldSz cx="10080625" cy="7559675"/>
   <p:notesSz cx="7559675" cy="10691813"/>
@@ -553,12 +554,12 @@
         </c:dLbls>
         <c:gapWidth val="150"/>
         <c:shape val="box"/>
-        <c:axId val="9441280"/>
-        <c:axId val="9443584"/>
-        <c:axId val="130016576"/>
+        <c:axId val="161699712"/>
+        <c:axId val="161714176"/>
+        <c:axId val="156166784"/>
       </c:bar3DChart>
       <c:catAx>
-        <c:axId val="9441280"/>
+        <c:axId val="161699712"/>
         <c:scaling>
           <c:orientation val="minMax"/>
         </c:scaling>
@@ -600,7 +601,7 @@
         <c:majorTickMark val="none"/>
         <c:minorTickMark val="none"/>
         <c:tickLblPos val="nextTo"/>
-        <c:crossAx val="9443584"/>
+        <c:crossAx val="161714176"/>
         <c:crosses val="autoZero"/>
         <c:auto val="1"/>
         <c:lblAlgn val="ctr"/>
@@ -608,7 +609,7 @@
         <c:noMultiLvlLbl val="0"/>
       </c:catAx>
       <c:valAx>
-        <c:axId val="9443584"/>
+        <c:axId val="161714176"/>
         <c:scaling>
           <c:orientation val="minMax"/>
         </c:scaling>
@@ -645,12 +646,12 @@
         <c:majorTickMark val="none"/>
         <c:minorTickMark val="none"/>
         <c:tickLblPos val="nextTo"/>
-        <c:crossAx val="9441280"/>
+        <c:crossAx val="161699712"/>
         <c:crosses val="autoZero"/>
         <c:crossBetween val="between"/>
       </c:valAx>
       <c:serAx>
-        <c:axId val="130016576"/>
+        <c:axId val="156166784"/>
         <c:scaling>
           <c:orientation val="minMax"/>
         </c:scaling>
@@ -691,7 +692,7 @@
         <c:majorTickMark val="none"/>
         <c:minorTickMark val="none"/>
         <c:tickLblPos val="nextTo"/>
-        <c:crossAx val="9443584"/>
+        <c:crossAx val="161714176"/>
         <c:crosses val="autoZero"/>
       </c:serAx>
     </c:plotArea>
@@ -1133,12 +1134,12 @@
         </c:dLbls>
         <c:gapWidth val="150"/>
         <c:shape val="box"/>
-        <c:axId val="9534464"/>
-        <c:axId val="9537792"/>
-        <c:axId val="136372224"/>
+        <c:axId val="161660288"/>
+        <c:axId val="161666560"/>
+        <c:axId val="161703680"/>
       </c:bar3DChart>
       <c:catAx>
-        <c:axId val="9534464"/>
+        <c:axId val="161660288"/>
         <c:scaling>
           <c:orientation val="minMax"/>
         </c:scaling>
@@ -1186,7 +1187,7 @@
         <c:majorTickMark val="none"/>
         <c:minorTickMark val="none"/>
         <c:tickLblPos val="nextTo"/>
-        <c:crossAx val="9537792"/>
+        <c:crossAx val="161666560"/>
         <c:crosses val="autoZero"/>
         <c:auto val="1"/>
         <c:lblAlgn val="ctr"/>
@@ -1194,7 +1195,7 @@
         <c:noMultiLvlLbl val="0"/>
       </c:catAx>
       <c:valAx>
-        <c:axId val="9537792"/>
+        <c:axId val="161666560"/>
         <c:scaling>
           <c:orientation val="minMax"/>
         </c:scaling>
@@ -1257,12 +1258,12 @@
         <c:majorTickMark val="none"/>
         <c:minorTickMark val="none"/>
         <c:tickLblPos val="nextTo"/>
-        <c:crossAx val="9534464"/>
+        <c:crossAx val="161660288"/>
         <c:crosses val="autoZero"/>
         <c:crossBetween val="between"/>
       </c:valAx>
       <c:serAx>
-        <c:axId val="136372224"/>
+        <c:axId val="161703680"/>
         <c:scaling>
           <c:orientation val="minMax"/>
         </c:scaling>
@@ -1309,7 +1310,7 @@
         <c:majorTickMark val="none"/>
         <c:minorTickMark val="none"/>
         <c:tickLblPos val="nextTo"/>
-        <c:crossAx val="9537792"/>
+        <c:crossAx val="161666560"/>
         <c:crosses val="autoZero"/>
       </c:serAx>
     </c:plotArea>
@@ -1723,12 +1724,12 @@
         </c:dLbls>
         <c:gapWidth val="150"/>
         <c:shape val="box"/>
-        <c:axId val="9509888"/>
-        <c:axId val="9528832"/>
-        <c:axId val="172096128"/>
+        <c:axId val="161779072"/>
+        <c:axId val="161785344"/>
+        <c:axId val="161661824"/>
       </c:bar3DChart>
       <c:catAx>
-        <c:axId val="9509888"/>
+        <c:axId val="161779072"/>
         <c:scaling>
           <c:orientation val="minMax"/>
         </c:scaling>
@@ -1797,7 +1798,7 @@
         <c:majorTickMark val="none"/>
         <c:minorTickMark val="none"/>
         <c:tickLblPos val="nextTo"/>
-        <c:crossAx val="9528832"/>
+        <c:crossAx val="161785344"/>
         <c:crosses val="autoZero"/>
         <c:auto val="1"/>
         <c:lblAlgn val="ctr"/>
@@ -1805,7 +1806,7 @@
         <c:noMultiLvlLbl val="0"/>
       </c:catAx>
       <c:valAx>
-        <c:axId val="9528832"/>
+        <c:axId val="161785344"/>
         <c:scaling>
           <c:orientation val="minMax"/>
         </c:scaling>
@@ -1857,12 +1858,12 @@
         <c:majorTickMark val="none"/>
         <c:minorTickMark val="none"/>
         <c:tickLblPos val="nextTo"/>
-        <c:crossAx val="9509888"/>
+        <c:crossAx val="161779072"/>
         <c:crosses val="autoZero"/>
         <c:crossBetween val="between"/>
       </c:valAx>
       <c:serAx>
-        <c:axId val="172096128"/>
+        <c:axId val="161661824"/>
         <c:scaling>
           <c:orientation val="minMax"/>
         </c:scaling>
@@ -1930,7 +1931,7 @@
         <c:majorTickMark val="none"/>
         <c:minorTickMark val="none"/>
         <c:tickLblPos val="nextTo"/>
-        <c:crossAx val="9528832"/>
+        <c:crossAx val="161785344"/>
         <c:crosses val="autoZero"/>
       </c:serAx>
     </c:plotArea>
@@ -2350,12 +2351,12 @@
         </c:dLbls>
         <c:gapWidth val="150"/>
         <c:shape val="box"/>
-        <c:axId val="9689344"/>
-        <c:axId val="39444480"/>
-        <c:axId val="9521344"/>
+        <c:axId val="161858304"/>
+        <c:axId val="161860224"/>
+        <c:axId val="161878016"/>
       </c:bar3DChart>
       <c:catAx>
-        <c:axId val="9689344"/>
+        <c:axId val="161858304"/>
         <c:scaling>
           <c:orientation val="minMax"/>
         </c:scaling>
@@ -2403,7 +2404,7 @@
         <c:majorTickMark val="none"/>
         <c:minorTickMark val="none"/>
         <c:tickLblPos val="nextTo"/>
-        <c:crossAx val="39444480"/>
+        <c:crossAx val="161860224"/>
         <c:crosses val="autoZero"/>
         <c:auto val="1"/>
         <c:lblAlgn val="ctr"/>
@@ -2411,7 +2412,7 @@
         <c:noMultiLvlLbl val="0"/>
       </c:catAx>
       <c:valAx>
-        <c:axId val="39444480"/>
+        <c:axId val="161860224"/>
         <c:scaling>
           <c:orientation val="minMax"/>
         </c:scaling>
@@ -2474,12 +2475,12 @@
         <c:majorTickMark val="none"/>
         <c:minorTickMark val="none"/>
         <c:tickLblPos val="nextTo"/>
-        <c:crossAx val="9689344"/>
+        <c:crossAx val="161858304"/>
         <c:crosses val="autoZero"/>
         <c:crossBetween val="between"/>
       </c:valAx>
       <c:serAx>
-        <c:axId val="9521344"/>
+        <c:axId val="161878016"/>
         <c:scaling>
           <c:orientation val="minMax"/>
         </c:scaling>
@@ -2526,7 +2527,7 @@
         <c:majorTickMark val="none"/>
         <c:minorTickMark val="none"/>
         <c:tickLblPos val="nextTo"/>
-        <c:crossAx val="39444480"/>
+        <c:crossAx val="161860224"/>
         <c:crosses val="autoZero"/>
       </c:serAx>
     </c:plotArea>
@@ -2750,7 +2751,7 @@
         <p:nvSpPr>
           <p:cNvPr id="22531" name="Rectangle 2"/>
           <p:cNvSpPr>
-            <a:spLocks noGrp="1" noChangeArrowheads="1"/>
+            <a:spLocks noGrp="1" noRot="1" noChangeAspect="1" noChangeArrowheads="1"/>
           </p:cNvSpPr>
           <p:nvPr>
             <p:ph type="sldImg"/>
@@ -3853,7 +3854,7 @@
         <p:nvSpPr>
           <p:cNvPr id="23555" name="Rectangle 1"/>
           <p:cNvSpPr>
-            <a:spLocks noChangeArrowheads="1" noTextEdit="1"/>
+            <a:spLocks noGrp="1" noRot="1" noChangeAspect="1" noChangeArrowheads="1" noTextEdit="1"/>
           </p:cNvSpPr>
           <p:nvPr>
             <p:ph type="sldImg"/>
@@ -3892,7 +3893,7 @@
         <p:nvSpPr>
           <p:cNvPr id="23556" name="Rectangle 2"/>
           <p:cNvSpPr>
-            <a:spLocks noChangeArrowheads="1"/>
+            <a:spLocks noGrp="1" noChangeArrowheads="1"/>
           </p:cNvSpPr>
           <p:nvPr>
             <p:ph type="body" idx="1"/>
@@ -4342,7 +4343,7 @@
         <p:nvSpPr>
           <p:cNvPr id="34819" name="Rectangle 1"/>
           <p:cNvSpPr>
-            <a:spLocks noChangeArrowheads="1" noTextEdit="1"/>
+            <a:spLocks noGrp="1" noRot="1" noChangeAspect="1" noChangeArrowheads="1" noTextEdit="1"/>
           </p:cNvSpPr>
           <p:nvPr>
             <p:ph type="sldImg"/>
@@ -4381,7 +4382,7 @@
         <p:nvSpPr>
           <p:cNvPr id="34820" name="Rectangle 2"/>
           <p:cNvSpPr>
-            <a:spLocks noChangeArrowheads="1"/>
+            <a:spLocks noGrp="1" noChangeArrowheads="1"/>
           </p:cNvSpPr>
           <p:nvPr>
             <p:ph type="body" idx="1"/>
@@ -4831,7 +4832,7 @@
         <p:nvSpPr>
           <p:cNvPr id="35843" name="Rectangle 1"/>
           <p:cNvSpPr>
-            <a:spLocks noChangeArrowheads="1" noTextEdit="1"/>
+            <a:spLocks noGrp="1" noRot="1" noChangeAspect="1" noChangeArrowheads="1" noTextEdit="1"/>
           </p:cNvSpPr>
           <p:nvPr>
             <p:ph type="sldImg"/>
@@ -4870,7 +4871,7 @@
         <p:nvSpPr>
           <p:cNvPr id="35844" name="Rectangle 2"/>
           <p:cNvSpPr>
-            <a:spLocks noChangeArrowheads="1"/>
+            <a:spLocks noGrp="1" noChangeArrowheads="1"/>
           </p:cNvSpPr>
           <p:nvPr>
             <p:ph type="body" idx="1"/>
@@ -5320,7 +5321,7 @@
         <p:nvSpPr>
           <p:cNvPr id="24579" name="Rectangle 1"/>
           <p:cNvSpPr>
-            <a:spLocks noChangeArrowheads="1" noTextEdit="1"/>
+            <a:spLocks noGrp="1" noRot="1" noChangeAspect="1" noChangeArrowheads="1" noTextEdit="1"/>
           </p:cNvSpPr>
           <p:nvPr>
             <p:ph type="sldImg"/>
@@ -5359,7 +5360,7 @@
         <p:nvSpPr>
           <p:cNvPr id="24580" name="Rectangle 2"/>
           <p:cNvSpPr>
-            <a:spLocks noChangeArrowheads="1"/>
+            <a:spLocks noGrp="1" noChangeArrowheads="1"/>
           </p:cNvSpPr>
           <p:nvPr>
             <p:ph type="body" idx="1"/>
@@ -5809,7 +5810,7 @@
         <p:nvSpPr>
           <p:cNvPr id="25603" name="Rectangle 1"/>
           <p:cNvSpPr>
-            <a:spLocks noChangeArrowheads="1" noTextEdit="1"/>
+            <a:spLocks noGrp="1" noRot="1" noChangeAspect="1" noChangeArrowheads="1" noTextEdit="1"/>
           </p:cNvSpPr>
           <p:nvPr>
             <p:ph type="sldImg"/>
@@ -5848,7 +5849,7 @@
         <p:nvSpPr>
           <p:cNvPr id="25604" name="Rectangle 2"/>
           <p:cNvSpPr>
-            <a:spLocks noChangeArrowheads="1"/>
+            <a:spLocks noGrp="1" noChangeArrowheads="1"/>
           </p:cNvSpPr>
           <p:nvPr>
             <p:ph type="body" idx="1"/>
@@ -6298,7 +6299,7 @@
         <p:nvSpPr>
           <p:cNvPr id="26627" name="Rectangle 1"/>
           <p:cNvSpPr>
-            <a:spLocks noChangeArrowheads="1" noTextEdit="1"/>
+            <a:spLocks noGrp="1" noRot="1" noChangeAspect="1" noChangeArrowheads="1" noTextEdit="1"/>
           </p:cNvSpPr>
           <p:nvPr>
             <p:ph type="sldImg"/>
@@ -6337,7 +6338,7 @@
         <p:nvSpPr>
           <p:cNvPr id="26628" name="Rectangle 2"/>
           <p:cNvSpPr>
-            <a:spLocks noChangeArrowheads="1"/>
+            <a:spLocks noGrp="1" noChangeArrowheads="1"/>
           </p:cNvSpPr>
           <p:nvPr>
             <p:ph type="body" idx="1"/>
@@ -6787,7 +6788,7 @@
         <p:nvSpPr>
           <p:cNvPr id="27651" name="Rectangle 1"/>
           <p:cNvSpPr>
-            <a:spLocks noChangeArrowheads="1" noTextEdit="1"/>
+            <a:spLocks noGrp="1" noRot="1" noChangeAspect="1" noChangeArrowheads="1" noTextEdit="1"/>
           </p:cNvSpPr>
           <p:nvPr>
             <p:ph type="sldImg"/>
@@ -6826,7 +6827,7 @@
         <p:nvSpPr>
           <p:cNvPr id="27652" name="Rectangle 2"/>
           <p:cNvSpPr>
-            <a:spLocks noChangeArrowheads="1"/>
+            <a:spLocks noGrp="1" noChangeArrowheads="1"/>
           </p:cNvSpPr>
           <p:nvPr>
             <p:ph type="body" idx="1"/>
@@ -7276,7 +7277,7 @@
         <p:nvSpPr>
           <p:cNvPr id="28675" name="Rectangle 1"/>
           <p:cNvSpPr>
-            <a:spLocks noChangeArrowheads="1" noTextEdit="1"/>
+            <a:spLocks noGrp="1" noRot="1" noChangeAspect="1" noChangeArrowheads="1" noTextEdit="1"/>
           </p:cNvSpPr>
           <p:nvPr>
             <p:ph type="sldImg"/>
@@ -7315,7 +7316,7 @@
         <p:nvSpPr>
           <p:cNvPr id="28676" name="Rectangle 2"/>
           <p:cNvSpPr>
-            <a:spLocks noChangeArrowheads="1"/>
+            <a:spLocks noGrp="1" noChangeArrowheads="1"/>
           </p:cNvSpPr>
           <p:nvPr>
             <p:ph type="body" idx="1"/>
@@ -7765,7 +7766,7 @@
         <p:nvSpPr>
           <p:cNvPr id="31747" name="Rectangle 1"/>
           <p:cNvSpPr>
-            <a:spLocks noChangeArrowheads="1" noTextEdit="1"/>
+            <a:spLocks noGrp="1" noRot="1" noChangeAspect="1" noChangeArrowheads="1" noTextEdit="1"/>
           </p:cNvSpPr>
           <p:nvPr>
             <p:ph type="sldImg"/>
@@ -7804,7 +7805,7 @@
         <p:nvSpPr>
           <p:cNvPr id="31748" name="Rectangle 2"/>
           <p:cNvSpPr>
-            <a:spLocks noChangeArrowheads="1"/>
+            <a:spLocks noGrp="1" noChangeArrowheads="1"/>
           </p:cNvSpPr>
           <p:nvPr>
             <p:ph type="body" idx="1"/>
@@ -8254,7 +8255,7 @@
         <p:nvSpPr>
           <p:cNvPr id="32771" name="Rectangle 1"/>
           <p:cNvSpPr>
-            <a:spLocks noChangeArrowheads="1" noTextEdit="1"/>
+            <a:spLocks noGrp="1" noRot="1" noChangeAspect="1" noChangeArrowheads="1" noTextEdit="1"/>
           </p:cNvSpPr>
           <p:nvPr>
             <p:ph type="sldImg"/>
@@ -8293,7 +8294,7 @@
         <p:nvSpPr>
           <p:cNvPr id="32772" name="Rectangle 2"/>
           <p:cNvSpPr>
-            <a:spLocks noChangeArrowheads="1"/>
+            <a:spLocks noGrp="1" noChangeArrowheads="1"/>
           </p:cNvSpPr>
           <p:nvPr>
             <p:ph type="body" idx="1"/>
@@ -8743,7 +8744,7 @@
         <p:nvSpPr>
           <p:cNvPr id="33795" name="Rectangle 1"/>
           <p:cNvSpPr>
-            <a:spLocks noChangeArrowheads="1" noTextEdit="1"/>
+            <a:spLocks noGrp="1" noRot="1" noChangeAspect="1" noChangeArrowheads="1" noTextEdit="1"/>
           </p:cNvSpPr>
           <p:nvPr>
             <p:ph type="sldImg"/>
@@ -8782,7 +8783,7 @@
         <p:nvSpPr>
           <p:cNvPr id="33796" name="Rectangle 2"/>
           <p:cNvSpPr>
-            <a:spLocks noChangeArrowheads="1"/>
+            <a:spLocks noGrp="1" noChangeArrowheads="1"/>
           </p:cNvSpPr>
           <p:nvPr>
             <p:ph type="body" idx="1"/>
@@ -13045,21 +13046,7 @@
                 <a:latin typeface="Times New Roman" panose="02020603050405020304" pitchFamily="18" charset="0"/>
                 <a:cs typeface="Times New Roman" panose="02020603050405020304" pitchFamily="18" charset="0"/>
               </a:rPr>
-              <a:t>Подготовил: </a:t>
-            </a:r>
-            <a:r>
-              <a:rPr lang="ru-RU" sz="2000" dirty="0" smtClean="0">
-                <a:latin typeface="Times New Roman" panose="02020603050405020304" pitchFamily="18" charset="0"/>
-                <a:cs typeface="Times New Roman" panose="02020603050405020304" pitchFamily="18" charset="0"/>
-              </a:rPr>
-              <a:t>ст</a:t>
-            </a:r>
-            <a:r>
-              <a:rPr lang="ru-RU" sz="2000" dirty="0" smtClean="0">
-                <a:latin typeface="Times New Roman" panose="02020603050405020304" pitchFamily="18" charset="0"/>
-                <a:cs typeface="Times New Roman" panose="02020603050405020304" pitchFamily="18" charset="0"/>
-              </a:rPr>
-              <a:t>. гр. ИС</a:t>
+              <a:t>Подготовил: ст. гр. ИС</a:t>
             </a:r>
             <a:r>
               <a:rPr lang="en-US" sz="2000" dirty="0" smtClean="0">
@@ -13083,26 +13070,8 @@
                 <a:latin typeface="Times New Roman" panose="02020603050405020304" pitchFamily="18" charset="0"/>
                 <a:cs typeface="Times New Roman" panose="02020603050405020304" pitchFamily="18" charset="0"/>
               </a:rPr>
-              <a:t>Лисянский </a:t>
-            </a:r>
-            <a:r>
-              <a:rPr lang="ru-RU" sz="2000" dirty="0" smtClean="0">
-                <a:latin typeface="Times New Roman" panose="02020603050405020304" pitchFamily="18" charset="0"/>
-                <a:cs typeface="Times New Roman" panose="02020603050405020304" pitchFamily="18" charset="0"/>
-              </a:rPr>
-              <a:t>А</a:t>
-            </a:r>
-            <a:r>
-              <a:rPr lang="ru-RU" sz="2000" dirty="0" smtClean="0">
-                <a:latin typeface="Times New Roman" panose="02020603050405020304" pitchFamily="18" charset="0"/>
-                <a:cs typeface="Times New Roman" panose="02020603050405020304" pitchFamily="18" charset="0"/>
-              </a:rPr>
-              <a:t>. И.</a:t>
-            </a:r>
-            <a:endParaRPr lang="ru-RU" sz="2000" dirty="0" smtClean="0">
-              <a:latin typeface="Times New Roman" panose="02020603050405020304" pitchFamily="18" charset="0"/>
-              <a:cs typeface="Times New Roman" panose="02020603050405020304" pitchFamily="18" charset="0"/>
-            </a:endParaRPr>
+              <a:t>Лисянский А. И.</a:t>
+            </a:r>
           </a:p>
           <a:p>
             <a:pPr algn="r"/>
@@ -13113,10 +13082,6 @@
               </a:rPr>
               <a:t>Научный руководитель: </a:t>
             </a:r>
-            <a:endParaRPr lang="ru-RU" sz="2000" dirty="0" smtClean="0">
-              <a:latin typeface="Times New Roman" panose="02020603050405020304" pitchFamily="18" charset="0"/>
-              <a:cs typeface="Times New Roman" panose="02020603050405020304" pitchFamily="18" charset="0"/>
-            </a:endParaRPr>
           </a:p>
           <a:p>
             <a:pPr algn="r"/>
@@ -13127,10 +13092,6 @@
               </a:rPr>
               <a:t>к.т.н., доцент</a:t>
             </a:r>
-            <a:endParaRPr lang="ru-RU" sz="2000" dirty="0" smtClean="0">
-              <a:latin typeface="Times New Roman" panose="02020603050405020304" pitchFamily="18" charset="0"/>
-              <a:cs typeface="Times New Roman" panose="02020603050405020304" pitchFamily="18" charset="0"/>
-            </a:endParaRPr>
           </a:p>
           <a:p>
             <a:pPr algn="r"/>
@@ -13157,7 +13118,7 @@
   <p:timing>
     <p:tnLst>
       <p:par>
-        <p:cTn id="1" dur="indefinite" nodeType="tmRoot">
+        <p:cTn id="1" dur="indefinite" restart="never" nodeType="tmRoot">
           <p:childTnLst>
             <p:seq concurrent="1" nextAc="seek">
               <p:cTn id="2" dur="0" nodeType="mainSeq"/>
@@ -14362,7 +14323,7 @@
           <a:graphicData uri="http://schemas.openxmlformats.org/presentationml/2006/ole">
             <mc:AlternateContent xmlns:mc="http://schemas.openxmlformats.org/markup-compatibility/2006">
               <mc:Choice xmlns:v="urn:schemas-microsoft-com:vml" Requires="v">
-                <p:oleObj spid="_x0000_s11297" name="Equation" r:id="rId3" imgW="444240" imgH="215640" progId="Equation.DSMT4">
+                <p:oleObj spid="_x0000_s11309" name="Equation" r:id="rId3" imgW="444240" imgH="215640" progId="Equation.DSMT4">
                   <p:embed/>
                 </p:oleObj>
               </mc:Choice>
@@ -14432,7 +14393,7 @@
           <a:graphicData uri="http://schemas.openxmlformats.org/presentationml/2006/ole">
             <mc:AlternateContent xmlns:mc="http://schemas.openxmlformats.org/markup-compatibility/2006">
               <mc:Choice xmlns:v="urn:schemas-microsoft-com:vml" Requires="v">
-                <p:oleObj spid="_x0000_s11298" name="Equation" r:id="rId5" imgW="2628900" imgH="304800" progId="Equation.DSMT4">
+                <p:oleObj spid="_x0000_s11310" name="Equation" r:id="rId5" imgW="2628900" imgH="304800" progId="Equation.DSMT4">
                   <p:embed/>
                 </p:oleObj>
               </mc:Choice>
@@ -14584,7 +14545,7 @@
           <a:graphicData uri="http://schemas.openxmlformats.org/presentationml/2006/ole">
             <mc:AlternateContent xmlns:mc="http://schemas.openxmlformats.org/markup-compatibility/2006">
               <mc:Choice xmlns:v="urn:schemas-microsoft-com:vml" Requires="v">
-                <p:oleObj spid="_x0000_s11299" name="Equation" r:id="rId7" imgW="3467100" imgH="1104900" progId="Equation.DSMT4">
+                <p:oleObj spid="_x0000_s11311" name="Equation" r:id="rId7" imgW="3467100" imgH="1104900" progId="Equation.DSMT4">
                   <p:embed/>
                 </p:oleObj>
               </mc:Choice>
@@ -14720,14 +14681,7 @@
                 <a:latin typeface="Times New Roman" panose="02020603050405020304" pitchFamily="18" charset="0"/>
                 <a:cs typeface="Times New Roman" panose="02020603050405020304" pitchFamily="18" charset="0"/>
               </a:rPr>
-              <a:t>Первый </a:t>
-            </a:r>
-            <a:r>
-              <a:rPr lang="ru-RU" altLang="ru-RU" dirty="0" smtClean="0">
-                <a:latin typeface="Times New Roman" panose="02020603050405020304" pitchFamily="18" charset="0"/>
-                <a:cs typeface="Times New Roman" panose="02020603050405020304" pitchFamily="18" charset="0"/>
-              </a:rPr>
-              <a:t>уровень:</a:t>
+              <a:t>Первый уровень:</a:t>
             </a:r>
             <a:r>
               <a:rPr lang="en-US" altLang="ru-RU" dirty="0" smtClean="0">
@@ -14741,21 +14695,7 @@
                 <a:latin typeface="Times New Roman" panose="02020603050405020304" pitchFamily="18" charset="0"/>
                 <a:cs typeface="Times New Roman" panose="02020603050405020304" pitchFamily="18" charset="0"/>
               </a:rPr>
-              <a:t>[М</a:t>
-            </a:r>
-            <a:r>
-              <a:rPr lang="ru-RU" altLang="ru-RU" dirty="0" smtClean="0">
-                <a:latin typeface="Times New Roman" panose="02020603050405020304" pitchFamily="18" charset="0"/>
-                <a:cs typeface="Times New Roman" panose="02020603050405020304" pitchFamily="18" charset="0"/>
-              </a:rPr>
-              <a:t>, А</a:t>
-            </a:r>
-            <a:r>
-              <a:rPr lang="ru-RU" altLang="ru-RU" dirty="0" smtClean="0">
-                <a:latin typeface="Times New Roman" panose="02020603050405020304" pitchFamily="18" charset="0"/>
-                <a:cs typeface="Times New Roman" panose="02020603050405020304" pitchFamily="18" charset="0"/>
-              </a:rPr>
-              <a:t>]</a:t>
+              <a:t>[М, А]</a:t>
             </a:r>
             <a:r>
               <a:rPr lang="en-US" altLang="ru-RU" dirty="0" smtClean="0">
@@ -14771,10 +14711,6 @@
               </a:rPr>
               <a:t>.</a:t>
             </a:r>
-            <a:endParaRPr lang="ru-RU" altLang="ru-RU" i="1" dirty="0" smtClean="0">
-              <a:latin typeface="Times New Roman" panose="02020603050405020304" pitchFamily="18" charset="0"/>
-              <a:cs typeface="Times New Roman" panose="02020603050405020304" pitchFamily="18" charset="0"/>
-            </a:endParaRPr>
           </a:p>
           <a:p>
             <a:pPr marL="1428750" indent="366713" eaLnBrk="1" hangingPunct="1">
@@ -14796,28 +14732,14 @@
                 <a:latin typeface="Times New Roman" panose="02020603050405020304" pitchFamily="18" charset="0"/>
                 <a:cs typeface="Times New Roman" panose="02020603050405020304" pitchFamily="18" charset="0"/>
               </a:rPr>
-              <a:t>Второй </a:t>
-            </a:r>
-            <a:r>
-              <a:rPr lang="ru-RU" altLang="ru-RU" dirty="0" smtClean="0">
-                <a:latin typeface="Times New Roman" panose="02020603050405020304" pitchFamily="18" charset="0"/>
-                <a:cs typeface="Times New Roman" panose="02020603050405020304" pitchFamily="18" charset="0"/>
-              </a:rPr>
-              <a:t>уровень:</a:t>
+              <a:t>Второй уровень:</a:t>
             </a:r>
             <a:r>
               <a:rPr lang="en-US" altLang="ru-RU" dirty="0" smtClean="0">
                 <a:latin typeface="Times New Roman" panose="02020603050405020304" pitchFamily="18" charset="0"/>
                 <a:cs typeface="Times New Roman" panose="02020603050405020304" pitchFamily="18" charset="0"/>
               </a:rPr>
-              <a:t>{         </a:t>
-            </a:r>
-            <a:r>
-              <a:rPr lang="en-US" altLang="ru-RU" dirty="0" smtClean="0">
-                <a:latin typeface="Times New Roman" panose="02020603050405020304" pitchFamily="18" charset="0"/>
-                <a:cs typeface="Times New Roman" panose="02020603050405020304" pitchFamily="18" charset="0"/>
-              </a:rPr>
-              <a:t>}</a:t>
+              <a:t>{         }</a:t>
             </a:r>
             <a:endParaRPr lang="ru-RU" altLang="ru-RU" dirty="0" smtClean="0">
               <a:latin typeface="Times New Roman" panose="02020603050405020304" pitchFamily="18" charset="0"/>
@@ -15220,7 +15142,7 @@
           <a:graphicData uri="http://schemas.openxmlformats.org/presentationml/2006/ole">
             <mc:AlternateContent xmlns:mc="http://schemas.openxmlformats.org/markup-compatibility/2006">
               <mc:Choice xmlns:v="urn:schemas-microsoft-com:vml" Requires="v">
-                <p:oleObj spid="_x0000_s13327" name="Equation" r:id="rId3" imgW="444240" imgH="215640" progId="Equation.DSMT4">
+                <p:oleObj spid="_x0000_s13331" name="Equation" r:id="rId3" imgW="444240" imgH="215640" progId="Equation.DSMT4">
                   <p:embed/>
                 </p:oleObj>
               </mc:Choice>
@@ -15398,14 +15320,7 @@
                 <a:latin typeface="Times New Roman" panose="02020603050405020304" pitchFamily="18" charset="0"/>
                 <a:cs typeface="Times New Roman" panose="02020603050405020304" pitchFamily="18" charset="0"/>
               </a:rPr>
-              <a:t>Второй </a:t>
-            </a:r>
-            <a:r>
-              <a:rPr lang="ru-RU" altLang="ru-RU" dirty="0" smtClean="0">
-                <a:latin typeface="Times New Roman" panose="02020603050405020304" pitchFamily="18" charset="0"/>
-                <a:cs typeface="Times New Roman" panose="02020603050405020304" pitchFamily="18" charset="0"/>
-              </a:rPr>
-              <a:t>уровень:</a:t>
+              <a:t>Второй уровень:</a:t>
             </a:r>
           </a:p>
           <a:p>
@@ -15504,7 +15419,7 @@
           <a:graphicData uri="http://schemas.openxmlformats.org/presentationml/2006/ole">
             <mc:AlternateContent xmlns:mc="http://schemas.openxmlformats.org/markup-compatibility/2006">
               <mc:Choice xmlns:v="urn:schemas-microsoft-com:vml" Requires="v">
-                <p:oleObj spid="_x0000_s14355" name="Equation" r:id="rId3" imgW="3467100" imgH="1104900" progId="Equation.DSMT4">
+                <p:oleObj spid="_x0000_s14359" name="Equation" r:id="rId3" imgW="3467100" imgH="1104900" progId="Equation.DSMT4">
                   <p:embed/>
                 </p:oleObj>
               </mc:Choice>
@@ -15761,7 +15676,7 @@
   <p:timing>
     <p:tnLst>
       <p:par>
-        <p:cTn id="1" dur="indefinite" nodeType="tmRoot">
+        <p:cTn id="1" dur="indefinite" restart="never" nodeType="tmRoot">
           <p:childTnLst>
             <p:seq concurrent="1" nextAc="seek">
               <p:cTn id="2" dur="0" nodeType="mainSeq"/>
@@ -15904,7 +15819,7 @@
   <p:timing>
     <p:tnLst>
       <p:par>
-        <p:cTn id="1" dur="indefinite" nodeType="tmRoot">
+        <p:cTn id="1" dur="indefinite" restart="never" nodeType="tmRoot">
           <p:childTnLst>
             <p:seq concurrent="1" nextAc="seek">
               <p:cTn id="2" dur="0" nodeType="mainSeq"/>
@@ -16167,7 +16082,7 @@
   <p:timing>
     <p:tnLst>
       <p:par>
-        <p:cTn id="1" dur="indefinite" nodeType="tmRoot">
+        <p:cTn id="1" dur="indefinite" restart="never" nodeType="tmRoot">
           <p:childTnLst>
             <p:seq concurrent="1" nextAc="seek">
               <p:cTn id="2" dur="0" nodeType="mainSeq"/>
@@ -16532,7 +16447,7 @@
   <p:timing>
     <p:tnLst>
       <p:par>
-        <p:cTn id="1" dur="indefinite" nodeType="tmRoot">
+        <p:cTn id="1" dur="indefinite" restart="never" nodeType="tmRoot">
           <p:childTnLst>
             <p:seq concurrent="1" nextAc="seek">
               <p:cTn id="2" dur="0" nodeType="mainSeq"/>
@@ -16622,7 +16537,7 @@
               </a:tabLst>
             </a:pPr>
             <a:r>
-              <a:rPr lang="ru-RU" altLang="ru-RU" smtClean="0"/>
+              <a:rPr lang="ru-RU" altLang="ru-RU" dirty="0" smtClean="0"/>
               <a:t>Выводы</a:t>
             </a:r>
           </a:p>
@@ -16769,7 +16684,7 @@
   <p:timing>
     <p:tnLst>
       <p:par>
-        <p:cTn id="1" dur="indefinite" nodeType="tmRoot">
+        <p:cTn id="1" dur="indefinite" restart="never" nodeType="tmRoot">
           <p:childTnLst>
             <p:seq concurrent="1" nextAc="seek">
               <p:cTn id="2" dur="0" nodeType="mainSeq"/>
@@ -17132,7 +17047,7 @@
   <p:timing>
     <p:tnLst>
       <p:par>
-        <p:cTn id="1" dur="indefinite" nodeType="tmRoot">
+        <p:cTn id="1" dur="indefinite" restart="never" nodeType="tmRoot">
           <p:childTnLst>
             <p:seq concurrent="1" nextAc="seek">
               <p:cTn id="2" dur="0" nodeType="mainSeq"/>
@@ -17156,6 +17071,89 @@
       </p:par>
     </p:tnLst>
   </p:timing>
+</p:sld>
+</file>
+
+<file path=ppt/slides/slide20.xml><?xml version="1.0" encoding="utf-8"?>
+<p:sld xmlns:a="http://schemas.openxmlformats.org/drawingml/2006/main" xmlns:r="http://schemas.openxmlformats.org/officeDocument/2006/relationships" xmlns:p="http://schemas.openxmlformats.org/presentationml/2006/main">
+  <p:cSld>
+    <p:spTree>
+      <p:nvGrpSpPr>
+        <p:cNvPr id="1" name=""/>
+        <p:cNvGrpSpPr/>
+        <p:nvPr/>
+      </p:nvGrpSpPr>
+      <p:grpSpPr>
+        <a:xfrm>
+          <a:off x="0" y="0"/>
+          <a:ext cx="0" cy="0"/>
+          <a:chOff x="0" y="0"/>
+          <a:chExt cx="0" cy="0"/>
+        </a:xfrm>
+      </p:grpSpPr>
+      <p:sp>
+        <p:nvSpPr>
+          <p:cNvPr id="4" name="Rectangle 1"/>
+          <p:cNvSpPr>
+            <a:spLocks noGrp="1" noChangeArrowheads="1"/>
+          </p:cNvSpPr>
+          <p:nvPr>
+            <p:ph type="title"/>
+          </p:nvPr>
+        </p:nvSpPr>
+        <p:spPr>
+          <a:xfrm>
+            <a:off x="431800" y="2915741"/>
+            <a:ext cx="9069387" cy="1260475"/>
+          </a:xfrm>
+        </p:spPr>
+        <p:txBody>
+          <a:bodyPr/>
+          <a:lstStyle/>
+          <a:p>
+            <a:pPr eaLnBrk="1" hangingPunct="1">
+              <a:tabLst>
+                <a:tab pos="0" algn="l"/>
+                <a:tab pos="446088" algn="l"/>
+                <a:tab pos="895350" algn="l"/>
+                <a:tab pos="1344613" algn="l"/>
+                <a:tab pos="1793875" algn="l"/>
+                <a:tab pos="2243138" algn="l"/>
+                <a:tab pos="2692400" algn="l"/>
+                <a:tab pos="3141663" algn="l"/>
+                <a:tab pos="3590925" algn="l"/>
+                <a:tab pos="4040188" algn="l"/>
+                <a:tab pos="4489450" algn="l"/>
+                <a:tab pos="4938713" algn="l"/>
+                <a:tab pos="5387975" algn="l"/>
+                <a:tab pos="5837238" algn="l"/>
+                <a:tab pos="6286500" algn="l"/>
+                <a:tab pos="6735763" algn="l"/>
+                <a:tab pos="7185025" algn="l"/>
+                <a:tab pos="7634288" algn="l"/>
+                <a:tab pos="8083550" algn="l"/>
+                <a:tab pos="8532813" algn="l"/>
+                <a:tab pos="8982075" algn="l"/>
+              </a:tabLst>
+            </a:pPr>
+            <a:r>
+              <a:rPr lang="ru-RU" altLang="ru-RU" dirty="0" smtClean="0"/>
+              <a:t>Благодарю за внимание</a:t>
+            </a:r>
+            <a:endParaRPr lang="ru-RU" altLang="ru-RU" dirty="0" smtClean="0"/>
+          </a:p>
+        </p:txBody>
+      </p:sp>
+    </p:spTree>
+    <p:extLst>
+      <p:ext uri="{BB962C8B-B14F-4D97-AF65-F5344CB8AC3E}">
+        <p14:creationId xmlns:p14="http://schemas.microsoft.com/office/powerpoint/2010/main" val="3213158225"/>
+      </p:ext>
+    </p:extLst>
+  </p:cSld>
+  <p:clrMapOvr>
+    <a:masterClrMapping/>
+  </p:clrMapOvr>
 </p:sld>
 </file>
 
@@ -17360,14 +17358,7 @@
                 <a:latin typeface="Times New Roman" panose="02020603050405020304" pitchFamily="18" charset="0"/>
                 <a:cs typeface="Times New Roman" panose="02020603050405020304" pitchFamily="18" charset="0"/>
               </a:rPr>
-              <a:t>Обоснование методов формирования составов партий данных и расписаний их </a:t>
-            </a:r>
-            <a:r>
-              <a:rPr lang="ru-RU" altLang="ru-RU" sz="3200" dirty="0" smtClean="0">
-                <a:latin typeface="Times New Roman" panose="02020603050405020304" pitchFamily="18" charset="0"/>
-                <a:cs typeface="Times New Roman" panose="02020603050405020304" pitchFamily="18" charset="0"/>
-              </a:rPr>
-              <a:t>обработки</a:t>
+              <a:t>Обоснование методов формирования составов партий данных и расписаний их обработки</a:t>
             </a:r>
           </a:p>
           <a:p>
@@ -17439,14 +17430,7 @@
                 <a:latin typeface="Times New Roman" panose="02020603050405020304" pitchFamily="18" charset="0"/>
                 <a:cs typeface="Times New Roman" panose="02020603050405020304" pitchFamily="18" charset="0"/>
               </a:rPr>
-              <a:t>Проведение </a:t>
-            </a:r>
-            <a:r>
-              <a:rPr lang="ru-RU" altLang="ru-RU" sz="3200" dirty="0" smtClean="0">
-                <a:latin typeface="Times New Roman" panose="02020603050405020304" pitchFamily="18" charset="0"/>
-                <a:cs typeface="Times New Roman" panose="02020603050405020304" pitchFamily="18" charset="0"/>
-              </a:rPr>
-              <a:t>исследования по выявлению особенностей </a:t>
+              <a:t>Проведение исследования по выявлению особенностей </a:t>
             </a:r>
             <a:r>
               <a:rPr lang="ru-RU" altLang="ru-RU" sz="3200" dirty="0" err="1" smtClean="0">
@@ -17462,10 +17446,6 @@
               </a:rPr>
               <a:t>. процесса в конвейерных системах </a:t>
             </a:r>
-            <a:endParaRPr lang="ru-RU" altLang="ru-RU" sz="3200" dirty="0" smtClean="0">
-              <a:latin typeface="Times New Roman" panose="02020603050405020304" pitchFamily="18" charset="0"/>
-              <a:cs typeface="Times New Roman" panose="02020603050405020304" pitchFamily="18" charset="0"/>
-            </a:endParaRPr>
           </a:p>
           <a:p>
             <a:pPr marL="455613" indent="-455613" eaLnBrk="1" hangingPunct="1">
@@ -17498,14 +17478,7 @@
                 <a:latin typeface="Times New Roman" panose="02020603050405020304" pitchFamily="18" charset="0"/>
                 <a:cs typeface="Times New Roman" panose="02020603050405020304" pitchFamily="18" charset="0"/>
               </a:rPr>
-              <a:t>Анализ </a:t>
-            </a:r>
-            <a:r>
-              <a:rPr lang="ru-RU" altLang="ru-RU" sz="3200" dirty="0" smtClean="0">
-                <a:latin typeface="Times New Roman" panose="02020603050405020304" pitchFamily="18" charset="0"/>
-                <a:cs typeface="Times New Roman" panose="02020603050405020304" pitchFamily="18" charset="0"/>
-              </a:rPr>
-              <a:t>эффективности используемых методов</a:t>
+              <a:t>Анализ эффективности используемых методов</a:t>
             </a:r>
           </a:p>
         </p:txBody>
@@ -17519,7 +17492,7 @@
   <p:timing>
     <p:tnLst>
       <p:par>
-        <p:cTn id="1" dur="indefinite" nodeType="tmRoot">
+        <p:cTn id="1" dur="indefinite" restart="never" nodeType="tmRoot">
           <p:childTnLst>
             <p:seq concurrent="1" nextAc="seek">
               <p:cTn id="2" dur="0" nodeType="mainSeq"/>
@@ -17688,7 +17661,7 @@
   <p:timing>
     <p:tnLst>
       <p:par>
-        <p:cTn id="1" dur="indefinite" nodeType="tmRoot">
+        <p:cTn id="1" dur="indefinite" restart="never" nodeType="tmRoot">
           <p:childTnLst>
             <p:seq concurrent="1" nextAc="seek">
               <p:cTn id="2" dur="0" nodeType="mainSeq"/>
@@ -17816,7 +17789,7 @@
   <p:timing>
     <p:tnLst>
       <p:par>
-        <p:cTn id="1" dur="indefinite" nodeType="tmRoot">
+        <p:cTn id="1" dur="indefinite" restart="never" nodeType="tmRoot">
           <p:childTnLst>
             <p:seq concurrent="1" nextAc="seek">
               <p:cTn id="2" dur="0" nodeType="mainSeq"/>
@@ -18055,10 +18028,6 @@
               </a:rPr>
               <a:t>Метод поиска локально оптимальных решений построения эффективного расписания обработки партий данных </a:t>
             </a:r>
-            <a:endParaRPr lang="ru-RU" altLang="ru-RU" dirty="0" smtClean="0">
-              <a:latin typeface="Times New Roman" panose="02020603050405020304" pitchFamily="18" charset="0"/>
-              <a:cs typeface="Times New Roman" panose="02020603050405020304" pitchFamily="18" charset="0"/>
-            </a:endParaRPr>
           </a:p>
           <a:p>
             <a:pPr marL="558742" indent="-557155" defTabSz="1007838" eaLnBrk="1" fontAlgn="auto" hangingPunct="1">
@@ -18150,7 +18119,7 @@
   <p:timing>
     <p:tnLst>
       <p:par>
-        <p:cTn id="1" dur="indefinite" nodeType="tmRoot">
+        <p:cTn id="1" dur="indefinite" restart="never" nodeType="tmRoot">
           <p:childTnLst>
             <p:seq concurrent="1" nextAc="seek">
               <p:cTn id="2" dur="0" nodeType="mainSeq"/>
@@ -18863,7 +18832,7 @@
           <a:graphicData uri="http://schemas.openxmlformats.org/presentationml/2006/ole">
             <mc:AlternateContent xmlns:mc="http://schemas.openxmlformats.org/markup-compatibility/2006">
               <mc:Choice xmlns:v="urn:schemas-microsoft-com:vml" Requires="v">
-                <p:oleObj spid="_x0000_s8249" name="Equation" r:id="rId3" imgW="432363" imgH="241615" progId="Equation.3">
+                <p:oleObj spid="_x0000_s8277" name="Equation" r:id="rId3" imgW="432363" imgH="241615" progId="Equation.3">
                   <p:embed/>
                 </p:oleObj>
               </mc:Choice>
@@ -19132,7 +19101,7 @@
           <a:graphicData uri="http://schemas.openxmlformats.org/presentationml/2006/ole">
             <mc:AlternateContent xmlns:mc="http://schemas.openxmlformats.org/markup-compatibility/2006">
               <mc:Choice xmlns:v="urn:schemas-microsoft-com:vml" Requires="v">
-                <p:oleObj spid="_x0000_s8250" name="Equation" r:id="rId5" imgW="177646" imgH="228402" progId="Equation.3">
+                <p:oleObj spid="_x0000_s8278" name="Equation" r:id="rId5" imgW="177646" imgH="228402" progId="Equation.3">
                   <p:embed/>
                 </p:oleObj>
               </mc:Choice>
@@ -19215,7 +19184,7 @@
           <a:graphicData uri="http://schemas.openxmlformats.org/presentationml/2006/ole">
             <mc:AlternateContent xmlns:mc="http://schemas.openxmlformats.org/markup-compatibility/2006">
               <mc:Choice xmlns:v="urn:schemas-microsoft-com:vml" Requires="v">
-                <p:oleObj spid="_x0000_s8251" name="Equation" r:id="rId7" imgW="432363" imgH="241615" progId="Equation.3">
+                <p:oleObj spid="_x0000_s8279" name="Equation" r:id="rId7" imgW="432363" imgH="241615" progId="Equation.3">
                   <p:embed/>
                 </p:oleObj>
               </mc:Choice>
@@ -19484,7 +19453,7 @@
           <a:graphicData uri="http://schemas.openxmlformats.org/presentationml/2006/ole">
             <mc:AlternateContent xmlns:mc="http://schemas.openxmlformats.org/markup-compatibility/2006">
               <mc:Choice xmlns:v="urn:schemas-microsoft-com:vml" Requires="v">
-                <p:oleObj spid="_x0000_s8252" name="Equation" r:id="rId8" imgW="215806" imgH="228501" progId="Equation.3">
+                <p:oleObj spid="_x0000_s8280" name="Equation" r:id="rId8" imgW="215806" imgH="228501" progId="Equation.3">
                   <p:embed/>
                 </p:oleObj>
               </mc:Choice>
@@ -19753,7 +19722,7 @@
           <a:graphicData uri="http://schemas.openxmlformats.org/presentationml/2006/ole">
             <mc:AlternateContent xmlns:mc="http://schemas.openxmlformats.org/markup-compatibility/2006">
               <mc:Choice xmlns:v="urn:schemas-microsoft-com:vml" Requires="v">
-                <p:oleObj spid="_x0000_s8253" name="Equation" r:id="rId10" imgW="431613" imgH="228501" progId="Equation.3">
+                <p:oleObj spid="_x0000_s8281" name="Equation" r:id="rId10" imgW="431613" imgH="228501" progId="Equation.3">
                   <p:embed/>
                 </p:oleObj>
               </mc:Choice>
@@ -20022,7 +19991,7 @@
           <a:graphicData uri="http://schemas.openxmlformats.org/presentationml/2006/ole">
             <mc:AlternateContent xmlns:mc="http://schemas.openxmlformats.org/markup-compatibility/2006">
               <mc:Choice xmlns:v="urn:schemas-microsoft-com:vml" Requires="v">
-                <p:oleObj spid="_x0000_s8254" name="Equation" r:id="rId12" imgW="215806" imgH="228501" progId="Equation.3">
+                <p:oleObj spid="_x0000_s8282" name="Equation" r:id="rId12" imgW="215806" imgH="228501" progId="Equation.3">
                   <p:embed/>
                 </p:oleObj>
               </mc:Choice>
@@ -20105,7 +20074,7 @@
           <a:graphicData uri="http://schemas.openxmlformats.org/presentationml/2006/ole">
             <mc:AlternateContent xmlns:mc="http://schemas.openxmlformats.org/markup-compatibility/2006">
               <mc:Choice xmlns:v="urn:schemas-microsoft-com:vml" Requires="v">
-                <p:oleObj spid="_x0000_s8255" name="Equation" r:id="rId13" imgW="177646" imgH="228402" progId="Equation.3">
+                <p:oleObj spid="_x0000_s8283" name="Equation" r:id="rId13" imgW="177646" imgH="228402" progId="Equation.3">
                   <p:embed/>
                 </p:oleObj>
               </mc:Choice>
@@ -20235,11 +20204,7 @@
             </a:pPr>
             <a:r>
               <a:rPr lang="ru-RU" dirty="0" smtClean="0"/>
-              <a:t>Обозначения</a:t>
-            </a:r>
-            <a:r>
-              <a:rPr lang="ru-RU" dirty="0" smtClean="0"/>
-              <a:t>, введенные для формирования расписаний обработки партий</a:t>
+              <a:t>Обозначения, введенные для формирования расписаний обработки партий</a:t>
             </a:r>
             <a:endParaRPr lang="ru-RU" i="1" dirty="0" smtClean="0">
               <a:latin typeface="Times New Roman" pitchFamily="18" charset="0"/>
@@ -20931,7 +20896,7 @@
           <a:graphicData uri="http://schemas.openxmlformats.org/presentationml/2006/ole">
             <mc:AlternateContent xmlns:mc="http://schemas.openxmlformats.org/markup-compatibility/2006">
               <mc:Choice xmlns:v="urn:schemas-microsoft-com:vml" Requires="v">
-                <p:oleObj spid="_x0000_s9288" name="Equation" r:id="rId3" imgW="177646" imgH="228402" progId="Equation.3">
+                <p:oleObj spid="_x0000_s9320" name="Equation" r:id="rId3" imgW="177646" imgH="228402" progId="Equation.3">
                   <p:embed/>
                 </p:oleObj>
               </mc:Choice>
@@ -21014,7 +20979,7 @@
           <a:graphicData uri="http://schemas.openxmlformats.org/presentationml/2006/ole">
             <mc:AlternateContent xmlns:mc="http://schemas.openxmlformats.org/markup-compatibility/2006">
               <mc:Choice xmlns:v="urn:schemas-microsoft-com:vml" Requires="v">
-                <p:oleObj spid="_x0000_s9289" name="Equation" r:id="rId5" imgW="432363" imgH="241615" progId="Equation.3">
+                <p:oleObj spid="_x0000_s9321" name="Equation" r:id="rId5" imgW="432363" imgH="241615" progId="Equation.3">
                   <p:embed/>
                 </p:oleObj>
               </mc:Choice>
@@ -21283,7 +21248,7 @@
           <a:graphicData uri="http://schemas.openxmlformats.org/presentationml/2006/ole">
             <mc:AlternateContent xmlns:mc="http://schemas.openxmlformats.org/markup-compatibility/2006">
               <mc:Choice xmlns:v="urn:schemas-microsoft-com:vml" Requires="v">
-                <p:oleObj spid="_x0000_s9290" name="Equation" r:id="rId7" imgW="215806" imgH="228501" progId="Equation.3">
+                <p:oleObj spid="_x0000_s9322" name="Equation" r:id="rId7" imgW="215806" imgH="228501" progId="Equation.3">
                   <p:embed/>
                 </p:oleObj>
               </mc:Choice>
@@ -21552,7 +21517,7 @@
           <a:graphicData uri="http://schemas.openxmlformats.org/presentationml/2006/ole">
             <mc:AlternateContent xmlns:mc="http://schemas.openxmlformats.org/markup-compatibility/2006">
               <mc:Choice xmlns:v="urn:schemas-microsoft-com:vml" Requires="v">
-                <p:oleObj spid="_x0000_s9291" name="Equation" r:id="rId9" imgW="431613" imgH="228501" progId="Equation.3">
+                <p:oleObj spid="_x0000_s9323" name="Equation" r:id="rId9" imgW="431613" imgH="228501" progId="Equation.3">
                   <p:embed/>
                 </p:oleObj>
               </mc:Choice>
@@ -21821,7 +21786,7 @@
           <a:graphicData uri="http://schemas.openxmlformats.org/presentationml/2006/ole">
             <mc:AlternateContent xmlns:mc="http://schemas.openxmlformats.org/markup-compatibility/2006">
               <mc:Choice xmlns:v="urn:schemas-microsoft-com:vml" Requires="v">
-                <p:oleObj spid="_x0000_s9292" name="Формула" r:id="rId11" imgW="203112" imgH="241195" progId="Equation.3">
+                <p:oleObj spid="_x0000_s9324" name="Формула" r:id="rId11" imgW="203112" imgH="241195" progId="Equation.3">
                   <p:embed/>
                 </p:oleObj>
               </mc:Choice>
@@ -22654,7 +22619,7 @@
           <a:graphicData uri="http://schemas.openxmlformats.org/presentationml/2006/ole">
             <mc:AlternateContent xmlns:mc="http://schemas.openxmlformats.org/markup-compatibility/2006">
               <mc:Choice xmlns:v="urn:schemas-microsoft-com:vml" Requires="v">
-                <p:oleObj spid="_x0000_s9293" name="Equation" r:id="rId13" imgW="266400" imgH="266400" progId="Equation.DSMT4">
+                <p:oleObj spid="_x0000_s9325" name="Equation" r:id="rId13" imgW="266400" imgH="266400" progId="Equation.DSMT4">
                   <p:embed/>
                 </p:oleObj>
               </mc:Choice>
@@ -22737,7 +22702,7 @@
           <a:graphicData uri="http://schemas.openxmlformats.org/presentationml/2006/ole">
             <mc:AlternateContent xmlns:mc="http://schemas.openxmlformats.org/markup-compatibility/2006">
               <mc:Choice xmlns:v="urn:schemas-microsoft-com:vml" Requires="v">
-                <p:oleObj spid="_x0000_s9294" name="Equation" r:id="rId15" imgW="190440" imgH="190440" progId="Equation.DSMT4">
+                <p:oleObj spid="_x0000_s9326" name="Equation" r:id="rId15" imgW="190440" imgH="190440" progId="Equation.DSMT4">
                   <p:embed/>
                 </p:oleObj>
               </mc:Choice>
@@ -23000,7 +22965,7 @@
           <a:graphicData uri="http://schemas.openxmlformats.org/presentationml/2006/ole">
             <mc:AlternateContent xmlns:mc="http://schemas.openxmlformats.org/markup-compatibility/2006">
               <mc:Choice xmlns:v="urn:schemas-microsoft-com:vml" Requires="v">
-                <p:oleObj spid="_x0000_s9295" name="Equation" r:id="rId17" imgW="305330" imgH="241720" progId="Equation.3">
+                <p:oleObj spid="_x0000_s9327" name="Equation" r:id="rId17" imgW="305330" imgH="241720" progId="Equation.3">
                   <p:embed/>
                 </p:oleObj>
               </mc:Choice>
@@ -24567,7 +24532,7 @@
   <a:extraClrSchemeLst/>
   <a:extLst>
     <a:ext uri="{05A4C25C-085E-4340-85A3-A5531E510DB2}">
-      <thm15:themeFamily xmlns="" xmlns:thm15="http://schemas.microsoft.com/office/thememl/2012/main" name="Office Theme" id="{62F939B6-93AF-4DB8-9C6B-D6C7DFDC589F}" vid="{4A3C46E8-61CC-4603-A589-7422A47A8E4A}"/>
+      <thm15:themeFamily xmlns:thm15="http://schemas.microsoft.com/office/thememl/2012/main" xmlns="" name="Office Theme" id="{62F939B6-93AF-4DB8-9C6B-D6C7DFDC589F}" vid="{4A3C46E8-61CC-4603-A589-7422A47A8E4A}"/>
     </a:ext>
   </a:extLst>
 </a:theme>
